--- a/PPT Python.pptx
+++ b/PPT Python.pptx
@@ -12,6 +12,9 @@
     <p:sldId id="260" r:id="rId6"/>
     <p:sldId id="261" r:id="rId7"/>
     <p:sldId id="262" r:id="rId8"/>
+    <p:sldId id="263" r:id="rId9"/>
+    <p:sldId id="264" r:id="rId10"/>
+    <p:sldId id="265" r:id="rId11"/>
   </p:sldIdLst>
   <p:sldSz cx="12192000" cy="6858000"/>
   <p:notesSz cx="6858000" cy="9144000"/>
@@ -110,6 +113,11 @@
       </a:defRPr>
     </a:lvl9pPr>
   </p:defaultTextStyle>
+  <p:extLst>
+    <p:ext uri="{EFAFB233-063F-42B5-8137-9DF3F51BA10A}">
+      <p15:sldGuideLst xmlns:p15="http://schemas.microsoft.com/office/powerpoint/2012/main"/>
+    </p:ext>
+  </p:extLst>
 </p:presentation>
 </file>
 
@@ -163,7 +171,7 @@
           <a:noFill/>
           <a:extLst>
             <a:ext uri="{909E8E84-426E-40dd-AFC4-6F175D3DCCD1}">
-              <a14:hiddenFill xmlns:a14="http://schemas.microsoft.com/office/drawing/2010/main" xmlns="">
+              <a14:hiddenFill xmlns="" xmlns:a14="http://schemas.microsoft.com/office/drawing/2010/main">
                 <a:solidFill>
                   <a:srgbClr val="FFFFFF"/>
                 </a:solidFill>
@@ -223,7 +231,7 @@
             </a:ln>
             <a:extLst>
               <a:ext uri="{91240B29-F687-4f45-9708-019B960494DF}">
-                <a14:hiddenLine xmlns:a14="http://schemas.microsoft.com/office/drawing/2010/main" xmlns="" w="9525">
+                <a14:hiddenLine xmlns="" xmlns:a14="http://schemas.microsoft.com/office/drawing/2010/main" w="9525">
                   <a:solidFill>
                     <a:srgbClr val="000000"/>
                   </a:solidFill>
@@ -313,7 +321,7 @@
             </a:ln>
             <a:extLst>
               <a:ext uri="{91240B29-F687-4f45-9708-019B960494DF}">
-                <a14:hiddenLine xmlns:a14="http://schemas.microsoft.com/office/drawing/2010/main" xmlns="" w="9525">
+                <a14:hiddenLine xmlns="" xmlns:a14="http://schemas.microsoft.com/office/drawing/2010/main" w="9525">
                   <a:solidFill>
                     <a:srgbClr val="000000"/>
                   </a:solidFill>
@@ -403,7 +411,7 @@
             </a:ln>
             <a:extLst>
               <a:ext uri="{91240B29-F687-4f45-9708-019B960494DF}">
-                <a14:hiddenLine xmlns:a14="http://schemas.microsoft.com/office/drawing/2010/main" xmlns="" w="9525">
+                <a14:hiddenLine xmlns="" xmlns:a14="http://schemas.microsoft.com/office/drawing/2010/main" w="9525">
                   <a:solidFill>
                     <a:srgbClr val="000000"/>
                   </a:solidFill>
@@ -437,7 +445,7 @@
             </a:ln>
             <a:extLst>
               <a:ext uri="{91240B29-F687-4f45-9708-019B960494DF}">
-                <a14:hiddenLine xmlns:a14="http://schemas.microsoft.com/office/drawing/2010/main" xmlns="" w="9525">
+                <a14:hiddenLine xmlns="" xmlns:a14="http://schemas.microsoft.com/office/drawing/2010/main" w="9525">
                   <a:solidFill>
                     <a:srgbClr val="000000"/>
                   </a:solidFill>
@@ -527,7 +535,7 @@
             </a:ln>
             <a:extLst>
               <a:ext uri="{91240B29-F687-4f45-9708-019B960494DF}">
-                <a14:hiddenLine xmlns:a14="http://schemas.microsoft.com/office/drawing/2010/main" xmlns="" w="9525">
+                <a14:hiddenLine xmlns="" xmlns:a14="http://schemas.microsoft.com/office/drawing/2010/main" w="9525">
                   <a:solidFill>
                     <a:srgbClr val="000000"/>
                   </a:solidFill>
@@ -589,7 +597,7 @@
             </a:ln>
             <a:extLst>
               <a:ext uri="{91240B29-F687-4f45-9708-019B960494DF}">
-                <a14:hiddenLine xmlns:a14="http://schemas.microsoft.com/office/drawing/2010/main" xmlns="" w="9525">
+                <a14:hiddenLine xmlns="" xmlns:a14="http://schemas.microsoft.com/office/drawing/2010/main" w="9525">
                   <a:solidFill>
                     <a:srgbClr val="000000"/>
                   </a:solidFill>
@@ -651,7 +659,7 @@
             </a:ln>
             <a:extLst>
               <a:ext uri="{91240B29-F687-4f45-9708-019B960494DF}">
-                <a14:hiddenLine xmlns:a14="http://schemas.microsoft.com/office/drawing/2010/main" xmlns="" w="9525">
+                <a14:hiddenLine xmlns="" xmlns:a14="http://schemas.microsoft.com/office/drawing/2010/main" w="9525">
                   <a:solidFill>
                     <a:srgbClr val="000000"/>
                   </a:solidFill>
@@ -741,7 +749,7 @@
             </a:ln>
             <a:extLst>
               <a:ext uri="{91240B29-F687-4f45-9708-019B960494DF}">
-                <a14:hiddenLine xmlns:a14="http://schemas.microsoft.com/office/drawing/2010/main" xmlns="" w="9525">
+                <a14:hiddenLine xmlns="" xmlns:a14="http://schemas.microsoft.com/office/drawing/2010/main" w="9525">
                   <a:solidFill>
                     <a:srgbClr val="000000"/>
                   </a:solidFill>
@@ -803,7 +811,7 @@
             </a:ln>
             <a:extLst>
               <a:ext uri="{91240B29-F687-4f45-9708-019B960494DF}">
-                <a14:hiddenLine xmlns:a14="http://schemas.microsoft.com/office/drawing/2010/main" xmlns="" w="9525">
+                <a14:hiddenLine xmlns="" xmlns:a14="http://schemas.microsoft.com/office/drawing/2010/main" w="9525">
                   <a:solidFill>
                     <a:srgbClr val="000000"/>
                   </a:solidFill>
@@ -865,7 +873,7 @@
             </a:ln>
             <a:extLst>
               <a:ext uri="{91240B29-F687-4f45-9708-019B960494DF}">
-                <a14:hiddenLine xmlns:a14="http://schemas.microsoft.com/office/drawing/2010/main" xmlns="" w="9525">
+                <a14:hiddenLine xmlns="" xmlns:a14="http://schemas.microsoft.com/office/drawing/2010/main" w="9525">
                   <a:solidFill>
                     <a:srgbClr val="000000"/>
                   </a:solidFill>
@@ -955,7 +963,7 @@
             </a:ln>
             <a:extLst>
               <a:ext uri="{91240B29-F687-4f45-9708-019B960494DF}">
-                <a14:hiddenLine xmlns:a14="http://schemas.microsoft.com/office/drawing/2010/main" xmlns="" w="9525">
+                <a14:hiddenLine xmlns="" xmlns:a14="http://schemas.microsoft.com/office/drawing/2010/main" w="9525">
                   <a:solidFill>
                     <a:srgbClr val="000000"/>
                   </a:solidFill>
@@ -1045,7 +1053,7 @@
             </a:ln>
             <a:extLst>
               <a:ext uri="{91240B29-F687-4f45-9708-019B960494DF}">
-                <a14:hiddenLine xmlns:a14="http://schemas.microsoft.com/office/drawing/2010/main" xmlns="" w="9525">
+                <a14:hiddenLine xmlns="" xmlns:a14="http://schemas.microsoft.com/office/drawing/2010/main" w="9525">
                   <a:solidFill>
                     <a:srgbClr val="000000"/>
                   </a:solidFill>
@@ -1107,7 +1115,7 @@
             </a:ln>
             <a:extLst>
               <a:ext uri="{91240B29-F687-4f45-9708-019B960494DF}">
-                <a14:hiddenLine xmlns:a14="http://schemas.microsoft.com/office/drawing/2010/main" xmlns="" w="9525">
+                <a14:hiddenLine xmlns="" xmlns:a14="http://schemas.microsoft.com/office/drawing/2010/main" w="9525">
                   <a:solidFill>
                     <a:srgbClr val="000000"/>
                   </a:solidFill>
@@ -1217,7 +1225,7 @@
             </a:ln>
             <a:extLst>
               <a:ext uri="{91240B29-F687-4f45-9708-019B960494DF}">
-                <a14:hiddenLine xmlns:a14="http://schemas.microsoft.com/office/drawing/2010/main" xmlns="" w="9525">
+                <a14:hiddenLine xmlns="" xmlns:a14="http://schemas.microsoft.com/office/drawing/2010/main" w="9525">
                   <a:solidFill>
                     <a:srgbClr val="000000"/>
                   </a:solidFill>
@@ -1279,7 +1287,7 @@
             </a:ln>
             <a:extLst>
               <a:ext uri="{91240B29-F687-4f45-9708-019B960494DF}">
-                <a14:hiddenLine xmlns:a14="http://schemas.microsoft.com/office/drawing/2010/main" xmlns="" w="9525">
+                <a14:hiddenLine xmlns="" xmlns:a14="http://schemas.microsoft.com/office/drawing/2010/main" w="9525">
                   <a:solidFill>
                     <a:srgbClr val="000000"/>
                   </a:solidFill>
@@ -1369,7 +1377,7 @@
             </a:ln>
             <a:extLst>
               <a:ext uri="{91240B29-F687-4f45-9708-019B960494DF}">
-                <a14:hiddenLine xmlns:a14="http://schemas.microsoft.com/office/drawing/2010/main" xmlns="" w="9525">
+                <a14:hiddenLine xmlns="" xmlns:a14="http://schemas.microsoft.com/office/drawing/2010/main" w="9525">
                   <a:solidFill>
                     <a:srgbClr val="000000"/>
                   </a:solidFill>
@@ -1459,7 +1467,7 @@
             </a:ln>
             <a:extLst>
               <a:ext uri="{91240B29-F687-4f45-9708-019B960494DF}">
-                <a14:hiddenLine xmlns:a14="http://schemas.microsoft.com/office/drawing/2010/main" xmlns="" w="9525">
+                <a14:hiddenLine xmlns="" xmlns:a14="http://schemas.microsoft.com/office/drawing/2010/main" w="9525">
                   <a:solidFill>
                     <a:srgbClr val="000000"/>
                   </a:solidFill>
@@ -1521,7 +1529,7 @@
             </a:ln>
             <a:extLst>
               <a:ext uri="{91240B29-F687-4f45-9708-019B960494DF}">
-                <a14:hiddenLine xmlns:a14="http://schemas.microsoft.com/office/drawing/2010/main" xmlns="" w="9525">
+                <a14:hiddenLine xmlns="" xmlns:a14="http://schemas.microsoft.com/office/drawing/2010/main" w="9525">
                   <a:solidFill>
                     <a:srgbClr val="000000"/>
                   </a:solidFill>
@@ -1611,7 +1619,7 @@
             </a:ln>
             <a:extLst>
               <a:ext uri="{91240B29-F687-4f45-9708-019B960494DF}">
-                <a14:hiddenLine xmlns:a14="http://schemas.microsoft.com/office/drawing/2010/main" xmlns="" w="9525">
+                <a14:hiddenLine xmlns="" xmlns:a14="http://schemas.microsoft.com/office/drawing/2010/main" w="9525">
                   <a:solidFill>
                     <a:srgbClr val="000000"/>
                   </a:solidFill>
@@ -1701,7 +1709,7 @@
             </a:ln>
             <a:extLst>
               <a:ext uri="{91240B29-F687-4f45-9708-019B960494DF}">
-                <a14:hiddenLine xmlns:a14="http://schemas.microsoft.com/office/drawing/2010/main" xmlns="" w="9525">
+                <a14:hiddenLine xmlns="" xmlns:a14="http://schemas.microsoft.com/office/drawing/2010/main" w="9525">
                   <a:solidFill>
                     <a:srgbClr val="000000"/>
                   </a:solidFill>
@@ -1757,7 +1765,7 @@
             </a:ln>
             <a:extLst>
               <a:ext uri="{91240B29-F687-4f45-9708-019B960494DF}">
-                <a14:hiddenLine xmlns:a14="http://schemas.microsoft.com/office/drawing/2010/main" xmlns="" w="9525">
+                <a14:hiddenLine xmlns="" xmlns:a14="http://schemas.microsoft.com/office/drawing/2010/main" w="9525">
                   <a:solidFill>
                     <a:srgbClr val="000000"/>
                   </a:solidFill>
@@ -1847,7 +1855,7 @@
             </a:ln>
             <a:extLst>
               <a:ext uri="{91240B29-F687-4f45-9708-019B960494DF}">
-                <a14:hiddenLine xmlns:a14="http://schemas.microsoft.com/office/drawing/2010/main" xmlns="" w="9525">
+                <a14:hiddenLine xmlns="" xmlns:a14="http://schemas.microsoft.com/office/drawing/2010/main" w="9525">
                   <a:solidFill>
                     <a:srgbClr val="000000"/>
                   </a:solidFill>
@@ -1903,7 +1911,7 @@
             </a:ln>
             <a:extLst>
               <a:ext uri="{91240B29-F687-4f45-9708-019B960494DF}">
-                <a14:hiddenLine xmlns:a14="http://schemas.microsoft.com/office/drawing/2010/main" xmlns="" w="9525">
+                <a14:hiddenLine xmlns="" xmlns:a14="http://schemas.microsoft.com/office/drawing/2010/main" w="9525">
                   <a:solidFill>
                     <a:srgbClr val="000000"/>
                   </a:solidFill>
@@ -1993,7 +2001,7 @@
             </a:ln>
             <a:extLst>
               <a:ext uri="{91240B29-F687-4f45-9708-019B960494DF}">
-                <a14:hiddenLine xmlns:a14="http://schemas.microsoft.com/office/drawing/2010/main" xmlns="" w="9525">
+                <a14:hiddenLine xmlns="" xmlns:a14="http://schemas.microsoft.com/office/drawing/2010/main" w="9525">
                   <a:solidFill>
                     <a:srgbClr val="000000"/>
                   </a:solidFill>
@@ -2061,7 +2069,7 @@
             </a:ln>
             <a:extLst>
               <a:ext uri="{91240B29-F687-4f45-9708-019B960494DF}">
-                <a14:hiddenLine xmlns:a14="http://schemas.microsoft.com/office/drawing/2010/main" xmlns="" w="9525">
+                <a14:hiddenLine xmlns="" xmlns:a14="http://schemas.microsoft.com/office/drawing/2010/main" w="9525">
                   <a:solidFill>
                     <a:srgbClr val="000000"/>
                   </a:solidFill>
@@ -2151,7 +2159,7 @@
             </a:ln>
             <a:extLst>
               <a:ext uri="{91240B29-F687-4f45-9708-019B960494DF}">
-                <a14:hiddenLine xmlns:a14="http://schemas.microsoft.com/office/drawing/2010/main" xmlns="" w="9525">
+                <a14:hiddenLine xmlns="" xmlns:a14="http://schemas.microsoft.com/office/drawing/2010/main" w="9525">
                   <a:solidFill>
                     <a:srgbClr val="000000"/>
                   </a:solidFill>
@@ -2219,7 +2227,7 @@
             </a:ln>
             <a:extLst>
               <a:ext uri="{91240B29-F687-4f45-9708-019B960494DF}">
-                <a14:hiddenLine xmlns:a14="http://schemas.microsoft.com/office/drawing/2010/main" xmlns="" w="9525">
+                <a14:hiddenLine xmlns="" xmlns:a14="http://schemas.microsoft.com/office/drawing/2010/main" w="9525">
                   <a:solidFill>
                     <a:srgbClr val="000000"/>
                   </a:solidFill>
@@ -2309,7 +2317,7 @@
             </a:ln>
             <a:extLst>
               <a:ext uri="{91240B29-F687-4f45-9708-019B960494DF}">
-                <a14:hiddenLine xmlns:a14="http://schemas.microsoft.com/office/drawing/2010/main" xmlns="" w="9525">
+                <a14:hiddenLine xmlns="" xmlns:a14="http://schemas.microsoft.com/office/drawing/2010/main" w="9525">
                   <a:solidFill>
                     <a:srgbClr val="000000"/>
                   </a:solidFill>
@@ -2343,7 +2351,7 @@
             </a:ln>
             <a:extLst>
               <a:ext uri="{91240B29-F687-4f45-9708-019B960494DF}">
-                <a14:hiddenLine xmlns:a14="http://schemas.microsoft.com/office/drawing/2010/main" xmlns="" w="9525">
+                <a14:hiddenLine xmlns="" xmlns:a14="http://schemas.microsoft.com/office/drawing/2010/main" w="9525">
                   <a:solidFill>
                     <a:srgbClr val="000000"/>
                   </a:solidFill>
@@ -2433,7 +2441,7 @@
             </a:ln>
             <a:extLst>
               <a:ext uri="{91240B29-F687-4f45-9708-019B960494DF}">
-                <a14:hiddenLine xmlns:a14="http://schemas.microsoft.com/office/drawing/2010/main" xmlns="" w="9525">
+                <a14:hiddenLine xmlns="" xmlns:a14="http://schemas.microsoft.com/office/drawing/2010/main" w="9525">
                   <a:solidFill>
                     <a:srgbClr val="000000"/>
                   </a:solidFill>
@@ -2495,7 +2503,7 @@
             </a:ln>
             <a:extLst>
               <a:ext uri="{91240B29-F687-4f45-9708-019B960494DF}">
-                <a14:hiddenLine xmlns:a14="http://schemas.microsoft.com/office/drawing/2010/main" xmlns="" w="9525">
+                <a14:hiddenLine xmlns="" xmlns:a14="http://schemas.microsoft.com/office/drawing/2010/main" w="9525">
                   <a:solidFill>
                     <a:srgbClr val="000000"/>
                   </a:solidFill>
@@ -2557,7 +2565,7 @@
             </a:ln>
             <a:extLst>
               <a:ext uri="{91240B29-F687-4f45-9708-019B960494DF}">
-                <a14:hiddenLine xmlns:a14="http://schemas.microsoft.com/office/drawing/2010/main" xmlns="" w="9525">
+                <a14:hiddenLine xmlns="" xmlns:a14="http://schemas.microsoft.com/office/drawing/2010/main" w="9525">
                   <a:solidFill>
                     <a:srgbClr val="000000"/>
                   </a:solidFill>
@@ -2647,7 +2655,7 @@
             </a:ln>
             <a:extLst>
               <a:ext uri="{91240B29-F687-4f45-9708-019B960494DF}">
-                <a14:hiddenLine xmlns:a14="http://schemas.microsoft.com/office/drawing/2010/main" xmlns="" w="9525">
+                <a14:hiddenLine xmlns="" xmlns:a14="http://schemas.microsoft.com/office/drawing/2010/main" w="9525">
                   <a:solidFill>
                     <a:srgbClr val="000000"/>
                   </a:solidFill>
@@ -2715,7 +2723,7 @@
             </a:ln>
             <a:extLst>
               <a:ext uri="{91240B29-F687-4f45-9708-019B960494DF}">
-                <a14:hiddenLine xmlns:a14="http://schemas.microsoft.com/office/drawing/2010/main" xmlns="" w="9525">
+                <a14:hiddenLine xmlns="" xmlns:a14="http://schemas.microsoft.com/office/drawing/2010/main" w="9525">
                   <a:solidFill>
                     <a:srgbClr val="000000"/>
                   </a:solidFill>
@@ -2777,7 +2785,7 @@
             </a:ln>
             <a:extLst>
               <a:ext uri="{91240B29-F687-4f45-9708-019B960494DF}">
-                <a14:hiddenLine xmlns:a14="http://schemas.microsoft.com/office/drawing/2010/main" xmlns="" w="9525">
+                <a14:hiddenLine xmlns="" xmlns:a14="http://schemas.microsoft.com/office/drawing/2010/main" w="9525">
                   <a:solidFill>
                     <a:srgbClr val="000000"/>
                   </a:solidFill>
@@ -2867,7 +2875,7 @@
             </a:ln>
             <a:extLst>
               <a:ext uri="{91240B29-F687-4f45-9708-019B960494DF}">
-                <a14:hiddenLine xmlns:a14="http://schemas.microsoft.com/office/drawing/2010/main" xmlns="" w="9525">
+                <a14:hiddenLine xmlns="" xmlns:a14="http://schemas.microsoft.com/office/drawing/2010/main" w="9525">
                   <a:solidFill>
                     <a:srgbClr val="000000"/>
                   </a:solidFill>
@@ -2929,7 +2937,7 @@
             </a:ln>
             <a:extLst>
               <a:ext uri="{91240B29-F687-4f45-9708-019B960494DF}">
-                <a14:hiddenLine xmlns:a14="http://schemas.microsoft.com/office/drawing/2010/main" xmlns="" w="9525">
+                <a14:hiddenLine xmlns="" xmlns:a14="http://schemas.microsoft.com/office/drawing/2010/main" w="9525">
                   <a:solidFill>
                     <a:srgbClr val="000000"/>
                   </a:solidFill>
@@ -3019,7 +3027,7 @@
             </a:ln>
             <a:extLst>
               <a:ext uri="{91240B29-F687-4f45-9708-019B960494DF}">
-                <a14:hiddenLine xmlns:a14="http://schemas.microsoft.com/office/drawing/2010/main" xmlns="" w="9525">
+                <a14:hiddenLine xmlns="" xmlns:a14="http://schemas.microsoft.com/office/drawing/2010/main" w="9525">
                   <a:solidFill>
                     <a:srgbClr val="000000"/>
                   </a:solidFill>
@@ -3081,7 +3089,7 @@
             </a:ln>
             <a:extLst>
               <a:ext uri="{91240B29-F687-4f45-9708-019B960494DF}">
-                <a14:hiddenLine xmlns:a14="http://schemas.microsoft.com/office/drawing/2010/main" xmlns="" w="9525">
+                <a14:hiddenLine xmlns="" xmlns:a14="http://schemas.microsoft.com/office/drawing/2010/main" w="9525">
                   <a:solidFill>
                     <a:srgbClr val="000000"/>
                   </a:solidFill>
@@ -3171,7 +3179,7 @@
             </a:ln>
             <a:extLst>
               <a:ext uri="{91240B29-F687-4f45-9708-019B960494DF}">
-                <a14:hiddenLine xmlns:a14="http://schemas.microsoft.com/office/drawing/2010/main" xmlns="" w="9525">
+                <a14:hiddenLine xmlns="" xmlns:a14="http://schemas.microsoft.com/office/drawing/2010/main" w="9525">
                   <a:solidFill>
                     <a:srgbClr val="000000"/>
                   </a:solidFill>
@@ -3205,7 +3213,7 @@
             </a:ln>
             <a:extLst>
               <a:ext uri="{91240B29-F687-4f45-9708-019B960494DF}">
-                <a14:hiddenLine xmlns:a14="http://schemas.microsoft.com/office/drawing/2010/main" xmlns="" w="9525">
+                <a14:hiddenLine xmlns="" xmlns:a14="http://schemas.microsoft.com/office/drawing/2010/main" w="9525">
                   <a:solidFill>
                     <a:srgbClr val="000000"/>
                   </a:solidFill>
@@ -3270,7 +3278,7 @@
             </a:ln>
             <a:extLst>
               <a:ext uri="{91240B29-F687-4f45-9708-019B960494DF}">
-                <a14:hiddenLine xmlns:a14="http://schemas.microsoft.com/office/drawing/2010/main" xmlns="" w="9525">
+                <a14:hiddenLine xmlns="" xmlns:a14="http://schemas.microsoft.com/office/drawing/2010/main" w="9525">
                   <a:solidFill>
                     <a:srgbClr val="000000"/>
                   </a:solidFill>
@@ -3360,7 +3368,7 @@
             </a:ln>
             <a:extLst>
               <a:ext uri="{91240B29-F687-4f45-9708-019B960494DF}">
-                <a14:hiddenLine xmlns:a14="http://schemas.microsoft.com/office/drawing/2010/main" xmlns="" w="9525">
+                <a14:hiddenLine xmlns="" xmlns:a14="http://schemas.microsoft.com/office/drawing/2010/main" w="9525">
                   <a:solidFill>
                     <a:srgbClr val="000000"/>
                   </a:solidFill>
@@ -3422,7 +3430,7 @@
             </a:ln>
             <a:extLst>
               <a:ext uri="{91240B29-F687-4f45-9708-019B960494DF}">
-                <a14:hiddenLine xmlns:a14="http://schemas.microsoft.com/office/drawing/2010/main" xmlns="" w="9525">
+                <a14:hiddenLine xmlns="" xmlns:a14="http://schemas.microsoft.com/office/drawing/2010/main" w="9525">
                   <a:solidFill>
                     <a:srgbClr val="000000"/>
                   </a:solidFill>
@@ -3512,7 +3520,7 @@
             </a:ln>
             <a:extLst>
               <a:ext uri="{91240B29-F687-4f45-9708-019B960494DF}">
-                <a14:hiddenLine xmlns:a14="http://schemas.microsoft.com/office/drawing/2010/main" xmlns="" w="9525">
+                <a14:hiddenLine xmlns="" xmlns:a14="http://schemas.microsoft.com/office/drawing/2010/main" w="9525">
                   <a:solidFill>
                     <a:srgbClr val="000000"/>
                   </a:solidFill>
@@ -3602,7 +3610,7 @@
             </a:ln>
             <a:extLst>
               <a:ext uri="{91240B29-F687-4f45-9708-019B960494DF}">
-                <a14:hiddenLine xmlns:a14="http://schemas.microsoft.com/office/drawing/2010/main" xmlns="" w="9525">
+                <a14:hiddenLine xmlns="" xmlns:a14="http://schemas.microsoft.com/office/drawing/2010/main" w="9525">
                   <a:solidFill>
                     <a:srgbClr val="000000"/>
                   </a:solidFill>
@@ -3667,7 +3675,7 @@
             </a:ln>
             <a:extLst>
               <a:ext uri="{91240B29-F687-4f45-9708-019B960494DF}">
-                <a14:hiddenLine xmlns:a14="http://schemas.microsoft.com/office/drawing/2010/main" xmlns="" w="9525">
+                <a14:hiddenLine xmlns="" xmlns:a14="http://schemas.microsoft.com/office/drawing/2010/main" w="9525">
                   <a:solidFill>
                     <a:srgbClr val="000000"/>
                   </a:solidFill>
@@ -3729,7 +3737,7 @@
             </a:ln>
             <a:extLst>
               <a:ext uri="{91240B29-F687-4f45-9708-019B960494DF}">
-                <a14:hiddenLine xmlns:a14="http://schemas.microsoft.com/office/drawing/2010/main" xmlns="" w="9525">
+                <a14:hiddenLine xmlns="" xmlns:a14="http://schemas.microsoft.com/office/drawing/2010/main" w="9525">
                   <a:solidFill>
                     <a:srgbClr val="000000"/>
                   </a:solidFill>
@@ -3819,7 +3827,7 @@
             </a:ln>
             <a:extLst>
               <a:ext uri="{91240B29-F687-4f45-9708-019B960494DF}">
-                <a14:hiddenLine xmlns:a14="http://schemas.microsoft.com/office/drawing/2010/main" xmlns="" w="9525">
+                <a14:hiddenLine xmlns="" xmlns:a14="http://schemas.microsoft.com/office/drawing/2010/main" w="9525">
                   <a:solidFill>
                     <a:srgbClr val="000000"/>
                   </a:solidFill>
@@ -3909,7 +3917,7 @@
             </a:ln>
             <a:extLst>
               <a:ext uri="{91240B29-F687-4f45-9708-019B960494DF}">
-                <a14:hiddenLine xmlns:a14="http://schemas.microsoft.com/office/drawing/2010/main" xmlns="" w="9525">
+                <a14:hiddenLine xmlns="" xmlns:a14="http://schemas.microsoft.com/office/drawing/2010/main" w="9525">
                   <a:solidFill>
                     <a:srgbClr val="000000"/>
                   </a:solidFill>
@@ -3971,7 +3979,7 @@
             </a:ln>
             <a:extLst>
               <a:ext uri="{91240B29-F687-4f45-9708-019B960494DF}">
-                <a14:hiddenLine xmlns:a14="http://schemas.microsoft.com/office/drawing/2010/main" xmlns="" w="9525">
+                <a14:hiddenLine xmlns="" xmlns:a14="http://schemas.microsoft.com/office/drawing/2010/main" w="9525">
                   <a:solidFill>
                     <a:srgbClr val="000000"/>
                   </a:solidFill>
@@ -4091,7 +4099,7 @@
             </a:ln>
             <a:extLst>
               <a:ext uri="{91240B29-F687-4f45-9708-019B960494DF}">
-                <a14:hiddenLine xmlns:a14="http://schemas.microsoft.com/office/drawing/2010/main" xmlns="" w="9525">
+                <a14:hiddenLine xmlns="" xmlns:a14="http://schemas.microsoft.com/office/drawing/2010/main" w="9525">
                   <a:solidFill>
                     <a:srgbClr val="000000"/>
                   </a:solidFill>
@@ -4159,7 +4167,7 @@
             </a:ln>
             <a:extLst>
               <a:ext uri="{91240B29-F687-4f45-9708-019B960494DF}">
-                <a14:hiddenLine xmlns:a14="http://schemas.microsoft.com/office/drawing/2010/main" xmlns="" w="9525">
+                <a14:hiddenLine xmlns="" xmlns:a14="http://schemas.microsoft.com/office/drawing/2010/main" w="9525">
                   <a:solidFill>
                     <a:srgbClr val="000000"/>
                   </a:solidFill>
@@ -4249,7 +4257,7 @@
             </a:ln>
             <a:extLst>
               <a:ext uri="{91240B29-F687-4f45-9708-019B960494DF}">
-                <a14:hiddenLine xmlns:a14="http://schemas.microsoft.com/office/drawing/2010/main" xmlns="" w="9525">
+                <a14:hiddenLine xmlns="" xmlns:a14="http://schemas.microsoft.com/office/drawing/2010/main" w="9525">
                   <a:solidFill>
                     <a:srgbClr val="000000"/>
                   </a:solidFill>
@@ -4389,7 +4397,7 @@
           <a:p>
             <a:fld id="{48A87A34-81AB-432B-8DAE-1953F412C126}" type="datetimeFigureOut">
               <a:rPr lang="en-US" dirty="0"/>
-              <a:t>3/23/2019</a:t>
+              <a:t>4/7/2019</a:t>
             </a:fld>
             <a:endParaRPr lang="en-US" dirty="0"/>
           </a:p>
@@ -4651,7 +4659,7 @@
           <a:p>
             <a:fld id="{48A87A34-81AB-432B-8DAE-1953F412C126}" type="datetimeFigureOut">
               <a:rPr lang="en-US" dirty="0"/>
-              <a:t>3/23/2019</a:t>
+              <a:t>4/7/2019</a:t>
             </a:fld>
             <a:endParaRPr lang="en-US" dirty="0"/>
           </a:p>
@@ -4842,7 +4850,7 @@
           <a:p>
             <a:fld id="{48A87A34-81AB-432B-8DAE-1953F412C126}" type="datetimeFigureOut">
               <a:rPr lang="en-US" dirty="0"/>
-              <a:t>3/23/2019</a:t>
+              <a:t>4/7/2019</a:t>
             </a:fld>
             <a:endParaRPr lang="en-US" dirty="0"/>
           </a:p>
@@ -5100,7 +5108,7 @@
           <a:p>
             <a:fld id="{48A87A34-81AB-432B-8DAE-1953F412C126}" type="datetimeFigureOut">
               <a:rPr lang="en-US" dirty="0"/>
-              <a:t>3/23/2019</a:t>
+              <a:t>4/7/2019</a:t>
             </a:fld>
             <a:endParaRPr lang="en-US" dirty="0"/>
           </a:p>
@@ -5529,7 +5537,7 @@
           <a:p>
             <a:fld id="{48A87A34-81AB-432B-8DAE-1953F412C126}" type="datetimeFigureOut">
               <a:rPr lang="en-US" dirty="0"/>
-              <a:t>3/23/2019</a:t>
+              <a:t>4/7/2019</a:t>
             </a:fld>
             <a:endParaRPr lang="en-US" dirty="0"/>
           </a:p>
@@ -6070,7 +6078,7 @@
           <a:p>
             <a:fld id="{48A87A34-81AB-432B-8DAE-1953F412C126}" type="datetimeFigureOut">
               <a:rPr lang="en-US" dirty="0"/>
-              <a:t>3/23/2019</a:t>
+              <a:t>4/7/2019</a:t>
             </a:fld>
             <a:endParaRPr lang="en-US" dirty="0"/>
           </a:p>
@@ -6785,7 +6793,7 @@
           <a:p>
             <a:fld id="{48A87A34-81AB-432B-8DAE-1953F412C126}" type="datetimeFigureOut">
               <a:rPr lang="en-US" dirty="0"/>
-              <a:t>3/23/2019</a:t>
+              <a:t>4/7/2019</a:t>
             </a:fld>
             <a:endParaRPr lang="en-US" dirty="0"/>
           </a:p>
@@ -6950,7 +6958,7 @@
           <a:p>
             <a:fld id="{48A87A34-81AB-432B-8DAE-1953F412C126}" type="datetimeFigureOut">
               <a:rPr lang="en-US" dirty="0"/>
-              <a:t>3/23/2019</a:t>
+              <a:t>4/7/2019</a:t>
             </a:fld>
             <a:endParaRPr lang="en-US" dirty="0"/>
           </a:p>
@@ -7125,7 +7133,7 @@
           <a:p>
             <a:fld id="{48A87A34-81AB-432B-8DAE-1953F412C126}" type="datetimeFigureOut">
               <a:rPr lang="en-US" dirty="0"/>
-              <a:t>3/23/2019</a:t>
+              <a:t>4/7/2019</a:t>
             </a:fld>
             <a:endParaRPr lang="en-US" dirty="0"/>
           </a:p>
@@ -7290,7 +7298,7 @@
           <a:p>
             <a:fld id="{48A87A34-81AB-432B-8DAE-1953F412C126}" type="datetimeFigureOut">
               <a:rPr lang="en-US" dirty="0"/>
-              <a:t>3/23/2019</a:t>
+              <a:t>4/7/2019</a:t>
             </a:fld>
             <a:endParaRPr lang="en-US" dirty="0"/>
           </a:p>
@@ -7535,7 +7543,7 @@
           <a:p>
             <a:fld id="{48A87A34-81AB-432B-8DAE-1953F412C126}" type="datetimeFigureOut">
               <a:rPr lang="en-US" dirty="0"/>
-              <a:t>3/23/2019</a:t>
+              <a:t>4/7/2019</a:t>
             </a:fld>
             <a:endParaRPr lang="en-US" dirty="0"/>
           </a:p>
@@ -7762,7 +7770,7 @@
           <a:p>
             <a:fld id="{48A87A34-81AB-432B-8DAE-1953F412C126}" type="datetimeFigureOut">
               <a:rPr lang="en-US" dirty="0"/>
-              <a:t>3/23/2019</a:t>
+              <a:t>4/7/2019</a:t>
             </a:fld>
             <a:endParaRPr lang="en-US" dirty="0"/>
           </a:p>
@@ -8138,7 +8146,7 @@
           <a:p>
             <a:fld id="{48A87A34-81AB-432B-8DAE-1953F412C126}" type="datetimeFigureOut">
               <a:rPr lang="en-US" dirty="0"/>
-              <a:t>3/23/2019</a:t>
+              <a:t>4/7/2019</a:t>
             </a:fld>
             <a:endParaRPr lang="en-US" dirty="0"/>
           </a:p>
@@ -8251,7 +8259,7 @@
           <a:p>
             <a:fld id="{48A87A34-81AB-432B-8DAE-1953F412C126}" type="datetimeFigureOut">
               <a:rPr lang="en-US" dirty="0"/>
-              <a:t>3/23/2019</a:t>
+              <a:t>4/7/2019</a:t>
             </a:fld>
             <a:endParaRPr lang="en-US" dirty="0"/>
           </a:p>
@@ -8341,7 +8349,7 @@
           <a:p>
             <a:fld id="{48A87A34-81AB-432B-8DAE-1953F412C126}" type="datetimeFigureOut">
               <a:rPr lang="en-US" dirty="0"/>
-              <a:t>3/23/2019</a:t>
+              <a:t>4/7/2019</a:t>
             </a:fld>
             <a:endParaRPr lang="en-US" dirty="0"/>
           </a:p>
@@ -8585,7 +8593,7 @@
           <a:p>
             <a:fld id="{48A87A34-81AB-432B-8DAE-1953F412C126}" type="datetimeFigureOut">
               <a:rPr lang="en-US" dirty="0"/>
-              <a:t>3/23/2019</a:t>
+              <a:t>4/7/2019</a:t>
             </a:fld>
             <a:endParaRPr lang="en-US" dirty="0"/>
           </a:p>
@@ -8860,7 +8868,7 @@
           <a:p>
             <a:fld id="{48A87A34-81AB-432B-8DAE-1953F412C126}" type="datetimeFigureOut">
               <a:rPr lang="en-US" dirty="0"/>
-              <a:t>3/23/2019</a:t>
+              <a:t>4/7/2019</a:t>
             </a:fld>
             <a:endParaRPr lang="en-US" dirty="0"/>
           </a:p>
@@ -8971,7 +8979,7 @@
           <a:noFill/>
           <a:extLst>
             <a:ext uri="{909E8E84-426E-40dd-AFC4-6F175D3DCCD1}">
-              <a14:hiddenFill xmlns:a14="http://schemas.microsoft.com/office/drawing/2010/main" xmlns="">
+              <a14:hiddenFill xmlns="" xmlns:a14="http://schemas.microsoft.com/office/drawing/2010/main">
                 <a:solidFill>
                   <a:srgbClr val="FFFFFF"/>
                 </a:solidFill>
@@ -9045,7 +9053,7 @@
               </a:ln>
               <a:extLst>
                 <a:ext uri="{91240B29-F687-4f45-9708-019B960494DF}">
-                  <a14:hiddenLine xmlns:a14="http://schemas.microsoft.com/office/drawing/2010/main" xmlns="" w="9525">
+                  <a14:hiddenLine xmlns="" xmlns:a14="http://schemas.microsoft.com/office/drawing/2010/main" w="9525">
                     <a:solidFill>
                       <a:srgbClr val="000000"/>
                     </a:solidFill>
@@ -9135,7 +9143,7 @@
               </a:ln>
               <a:extLst>
                 <a:ext uri="{91240B29-F687-4f45-9708-019B960494DF}">
-                  <a14:hiddenLine xmlns:a14="http://schemas.microsoft.com/office/drawing/2010/main" xmlns="" w="9525">
+                  <a14:hiddenLine xmlns="" xmlns:a14="http://schemas.microsoft.com/office/drawing/2010/main" w="9525">
                     <a:solidFill>
                       <a:srgbClr val="000000"/>
                     </a:solidFill>
@@ -9225,7 +9233,7 @@
               </a:ln>
               <a:extLst>
                 <a:ext uri="{91240B29-F687-4f45-9708-019B960494DF}">
-                  <a14:hiddenLine xmlns:a14="http://schemas.microsoft.com/office/drawing/2010/main" xmlns="" w="9525">
+                  <a14:hiddenLine xmlns="" xmlns:a14="http://schemas.microsoft.com/office/drawing/2010/main" w="9525">
                     <a:solidFill>
                       <a:srgbClr val="000000"/>
                     </a:solidFill>
@@ -9287,7 +9295,7 @@
               </a:ln>
               <a:extLst>
                 <a:ext uri="{91240B29-F687-4f45-9708-019B960494DF}">
-                  <a14:hiddenLine xmlns:a14="http://schemas.microsoft.com/office/drawing/2010/main" xmlns="" w="9525">
+                  <a14:hiddenLine xmlns="" xmlns:a14="http://schemas.microsoft.com/office/drawing/2010/main" w="9525">
                     <a:solidFill>
                       <a:srgbClr val="000000"/>
                     </a:solidFill>
@@ -9377,7 +9385,7 @@
               </a:ln>
               <a:extLst>
                 <a:ext uri="{91240B29-F687-4f45-9708-019B960494DF}">
-                  <a14:hiddenLine xmlns:a14="http://schemas.microsoft.com/office/drawing/2010/main" xmlns="" w="9525">
+                  <a14:hiddenLine xmlns="" xmlns:a14="http://schemas.microsoft.com/office/drawing/2010/main" w="9525">
                     <a:solidFill>
                       <a:srgbClr val="000000"/>
                     </a:solidFill>
@@ -9439,7 +9447,7 @@
               </a:ln>
               <a:extLst>
                 <a:ext uri="{91240B29-F687-4f45-9708-019B960494DF}">
-                  <a14:hiddenLine xmlns:a14="http://schemas.microsoft.com/office/drawing/2010/main" xmlns="" w="9525">
+                  <a14:hiddenLine xmlns="" xmlns:a14="http://schemas.microsoft.com/office/drawing/2010/main" w="9525">
                     <a:solidFill>
                       <a:srgbClr val="000000"/>
                     </a:solidFill>
@@ -9501,7 +9509,7 @@
               </a:ln>
               <a:extLst>
                 <a:ext uri="{91240B29-F687-4f45-9708-019B960494DF}">
-                  <a14:hiddenLine xmlns:a14="http://schemas.microsoft.com/office/drawing/2010/main" xmlns="" w="9525">
+                  <a14:hiddenLine xmlns="" xmlns:a14="http://schemas.microsoft.com/office/drawing/2010/main" w="9525">
                     <a:solidFill>
                       <a:srgbClr val="000000"/>
                     </a:solidFill>
@@ -9591,7 +9599,7 @@
               </a:ln>
               <a:extLst>
                 <a:ext uri="{91240B29-F687-4f45-9708-019B960494DF}">
-                  <a14:hiddenLine xmlns:a14="http://schemas.microsoft.com/office/drawing/2010/main" xmlns="" w="9525">
+                  <a14:hiddenLine xmlns="" xmlns:a14="http://schemas.microsoft.com/office/drawing/2010/main" w="9525">
                     <a:solidFill>
                       <a:srgbClr val="000000"/>
                     </a:solidFill>
@@ -9681,7 +9689,7 @@
               </a:ln>
               <a:extLst>
                 <a:ext uri="{91240B29-F687-4f45-9708-019B960494DF}">
-                  <a14:hiddenLine xmlns:a14="http://schemas.microsoft.com/office/drawing/2010/main" xmlns="" w="9525">
+                  <a14:hiddenLine xmlns="" xmlns:a14="http://schemas.microsoft.com/office/drawing/2010/main" w="9525">
                     <a:solidFill>
                       <a:srgbClr val="000000"/>
                     </a:solidFill>
@@ -9743,7 +9751,7 @@
               </a:ln>
               <a:extLst>
                 <a:ext uri="{91240B29-F687-4f45-9708-019B960494DF}">
-                  <a14:hiddenLine xmlns:a14="http://schemas.microsoft.com/office/drawing/2010/main" xmlns="" w="9525">
+                  <a14:hiddenLine xmlns="" xmlns:a14="http://schemas.microsoft.com/office/drawing/2010/main" w="9525">
                     <a:solidFill>
                       <a:srgbClr val="000000"/>
                     </a:solidFill>
@@ -9853,7 +9861,7 @@
               </a:ln>
               <a:extLst>
                 <a:ext uri="{91240B29-F687-4f45-9708-019B960494DF}">
-                  <a14:hiddenLine xmlns:a14="http://schemas.microsoft.com/office/drawing/2010/main" xmlns="" w="9525">
+                  <a14:hiddenLine xmlns="" xmlns:a14="http://schemas.microsoft.com/office/drawing/2010/main" w="9525">
                     <a:solidFill>
                       <a:srgbClr val="000000"/>
                     </a:solidFill>
@@ -9937,7 +9945,7 @@
               </a:ln>
               <a:extLst>
                 <a:ext uri="{91240B29-F687-4f45-9708-019B960494DF}">
-                  <a14:hiddenLine xmlns:a14="http://schemas.microsoft.com/office/drawing/2010/main" xmlns="" w="9525">
+                  <a14:hiddenLine xmlns="" xmlns:a14="http://schemas.microsoft.com/office/drawing/2010/main" w="9525">
                     <a:solidFill>
                       <a:srgbClr val="000000"/>
                     </a:solidFill>
@@ -9999,7 +10007,7 @@
               </a:ln>
               <a:extLst>
                 <a:ext uri="{91240B29-F687-4f45-9708-019B960494DF}">
-                  <a14:hiddenLine xmlns:a14="http://schemas.microsoft.com/office/drawing/2010/main" xmlns="" w="9525">
+                  <a14:hiddenLine xmlns="" xmlns:a14="http://schemas.microsoft.com/office/drawing/2010/main" w="9525">
                     <a:solidFill>
                       <a:srgbClr val="000000"/>
                     </a:solidFill>
@@ -10061,7 +10069,7 @@
               </a:ln>
               <a:extLst>
                 <a:ext uri="{91240B29-F687-4f45-9708-019B960494DF}">
-                  <a14:hiddenLine xmlns:a14="http://schemas.microsoft.com/office/drawing/2010/main" xmlns="" w="9525">
+                  <a14:hiddenLine xmlns="" xmlns:a14="http://schemas.microsoft.com/office/drawing/2010/main" w="9525">
                     <a:solidFill>
                       <a:srgbClr val="000000"/>
                     </a:solidFill>
@@ -10151,7 +10159,7 @@
               </a:ln>
               <a:extLst>
                 <a:ext uri="{91240B29-F687-4f45-9708-019B960494DF}">
-                  <a14:hiddenLine xmlns:a14="http://schemas.microsoft.com/office/drawing/2010/main" xmlns="" w="9525">
+                  <a14:hiddenLine xmlns="" xmlns:a14="http://schemas.microsoft.com/office/drawing/2010/main" w="9525">
                     <a:solidFill>
                       <a:srgbClr val="000000"/>
                     </a:solidFill>
@@ -10185,7 +10193,7 @@
               </a:ln>
               <a:extLst>
                 <a:ext uri="{91240B29-F687-4f45-9708-019B960494DF}">
-                  <a14:hiddenLine xmlns:a14="http://schemas.microsoft.com/office/drawing/2010/main" xmlns="" w="9525">
+                  <a14:hiddenLine xmlns="" xmlns:a14="http://schemas.microsoft.com/office/drawing/2010/main" w="9525">
                     <a:solidFill>
                       <a:srgbClr val="000000"/>
                     </a:solidFill>
@@ -10250,7 +10258,7 @@
               </a:ln>
               <a:extLst>
                 <a:ext uri="{91240B29-F687-4f45-9708-019B960494DF}">
-                  <a14:hiddenLine xmlns:a14="http://schemas.microsoft.com/office/drawing/2010/main" xmlns="" w="9525">
+                  <a14:hiddenLine xmlns="" xmlns:a14="http://schemas.microsoft.com/office/drawing/2010/main" w="9525">
                     <a:solidFill>
                       <a:srgbClr val="000000"/>
                     </a:solidFill>
@@ -10340,7 +10348,7 @@
               </a:ln>
               <a:extLst>
                 <a:ext uri="{91240B29-F687-4f45-9708-019B960494DF}">
-                  <a14:hiddenLine xmlns:a14="http://schemas.microsoft.com/office/drawing/2010/main" xmlns="" w="9525">
+                  <a14:hiddenLine xmlns="" xmlns:a14="http://schemas.microsoft.com/office/drawing/2010/main" w="9525">
                     <a:solidFill>
                       <a:srgbClr val="000000"/>
                     </a:solidFill>
@@ -10402,7 +10410,7 @@
               </a:ln>
               <a:extLst>
                 <a:ext uri="{91240B29-F687-4f45-9708-019B960494DF}">
-                  <a14:hiddenLine xmlns:a14="http://schemas.microsoft.com/office/drawing/2010/main" xmlns="" w="9525">
+                  <a14:hiddenLine xmlns="" xmlns:a14="http://schemas.microsoft.com/office/drawing/2010/main" w="9525">
                     <a:solidFill>
                       <a:srgbClr val="000000"/>
                     </a:solidFill>
@@ -10492,7 +10500,7 @@
               </a:ln>
               <a:extLst>
                 <a:ext uri="{91240B29-F687-4f45-9708-019B960494DF}">
-                  <a14:hiddenLine xmlns:a14="http://schemas.microsoft.com/office/drawing/2010/main" xmlns="" w="9525">
+                  <a14:hiddenLine xmlns="" xmlns:a14="http://schemas.microsoft.com/office/drawing/2010/main" w="9525">
                     <a:solidFill>
                       <a:srgbClr val="000000"/>
                     </a:solidFill>
@@ -10557,7 +10565,7 @@
               </a:ln>
               <a:extLst>
                 <a:ext uri="{91240B29-F687-4f45-9708-019B960494DF}">
-                  <a14:hiddenLine xmlns:a14="http://schemas.microsoft.com/office/drawing/2010/main" xmlns="" w="9525">
+                  <a14:hiddenLine xmlns="" xmlns:a14="http://schemas.microsoft.com/office/drawing/2010/main" w="9525">
                     <a:solidFill>
                       <a:srgbClr val="000000"/>
                     </a:solidFill>
@@ -10619,7 +10627,7 @@
               </a:ln>
               <a:extLst>
                 <a:ext uri="{91240B29-F687-4f45-9708-019B960494DF}">
-                  <a14:hiddenLine xmlns:a14="http://schemas.microsoft.com/office/drawing/2010/main" xmlns="" w="9525">
+                  <a14:hiddenLine xmlns="" xmlns:a14="http://schemas.microsoft.com/office/drawing/2010/main" w="9525">
                     <a:solidFill>
                       <a:srgbClr val="000000"/>
                     </a:solidFill>
@@ -10709,7 +10717,7 @@
               </a:ln>
               <a:extLst>
                 <a:ext uri="{91240B29-F687-4f45-9708-019B960494DF}">
-                  <a14:hiddenLine xmlns:a14="http://schemas.microsoft.com/office/drawing/2010/main" xmlns="" w="9525">
+                  <a14:hiddenLine xmlns="" xmlns:a14="http://schemas.microsoft.com/office/drawing/2010/main" w="9525">
                     <a:solidFill>
                       <a:srgbClr val="000000"/>
                     </a:solidFill>
@@ -10799,7 +10807,7 @@
               </a:ln>
               <a:extLst>
                 <a:ext uri="{91240B29-F687-4f45-9708-019B960494DF}">
-                  <a14:hiddenLine xmlns:a14="http://schemas.microsoft.com/office/drawing/2010/main" xmlns="" w="9525">
+                  <a14:hiddenLine xmlns="" xmlns:a14="http://schemas.microsoft.com/office/drawing/2010/main" w="9525">
                     <a:solidFill>
                       <a:srgbClr val="000000"/>
                     </a:solidFill>
@@ -10864,7 +10872,7 @@
               </a:ln>
               <a:extLst>
                 <a:ext uri="{91240B29-F687-4f45-9708-019B960494DF}">
-                  <a14:hiddenLine xmlns:a14="http://schemas.microsoft.com/office/drawing/2010/main" xmlns="" w="9525">
+                  <a14:hiddenLine xmlns="" xmlns:a14="http://schemas.microsoft.com/office/drawing/2010/main" w="9525">
                     <a:solidFill>
                       <a:srgbClr val="000000"/>
                     </a:solidFill>
@@ -10984,7 +10992,7 @@
               </a:ln>
               <a:extLst>
                 <a:ext uri="{91240B29-F687-4f45-9708-019B960494DF}">
-                  <a14:hiddenLine xmlns:a14="http://schemas.microsoft.com/office/drawing/2010/main" xmlns="" w="9525">
+                  <a14:hiddenLine xmlns="" xmlns:a14="http://schemas.microsoft.com/office/drawing/2010/main" w="9525">
                     <a:solidFill>
                       <a:srgbClr val="000000"/>
                     </a:solidFill>
@@ -11082,7 +11090,7 @@
               </a:ln>
               <a:extLst>
                 <a:ext uri="{91240B29-F687-4f45-9708-019B960494DF}">
-                  <a14:hiddenLine xmlns:a14="http://schemas.microsoft.com/office/drawing/2010/main" xmlns="" w="9525">
+                  <a14:hiddenLine xmlns="" xmlns:a14="http://schemas.microsoft.com/office/drawing/2010/main" w="9525">
                     <a:solidFill>
                       <a:srgbClr val="000000"/>
                     </a:solidFill>
@@ -11197,7 +11205,7 @@
               </a:ln>
               <a:extLst>
                 <a:ext uri="{91240B29-F687-4f45-9708-019B960494DF}">
-                  <a14:hiddenLine xmlns:a14="http://schemas.microsoft.com/office/drawing/2010/main" xmlns="" w="9525">
+                  <a14:hiddenLine xmlns="" xmlns:a14="http://schemas.microsoft.com/office/drawing/2010/main" w="9525">
                     <a:solidFill>
                       <a:srgbClr val="000000"/>
                     </a:solidFill>
@@ -11287,7 +11295,7 @@
               </a:ln>
               <a:extLst>
                 <a:ext uri="{91240B29-F687-4f45-9708-019B960494DF}">
-                  <a14:hiddenLine xmlns:a14="http://schemas.microsoft.com/office/drawing/2010/main" xmlns="" w="9525">
+                  <a14:hiddenLine xmlns="" xmlns:a14="http://schemas.microsoft.com/office/drawing/2010/main" w="9525">
                     <a:solidFill>
                       <a:srgbClr val="000000"/>
                     </a:solidFill>
@@ -11352,7 +11360,7 @@
               </a:ln>
               <a:extLst>
                 <a:ext uri="{91240B29-F687-4f45-9708-019B960494DF}">
-                  <a14:hiddenLine xmlns:a14="http://schemas.microsoft.com/office/drawing/2010/main" xmlns="" w="9525">
+                  <a14:hiddenLine xmlns="" xmlns:a14="http://schemas.microsoft.com/office/drawing/2010/main" w="9525">
                     <a:solidFill>
                       <a:srgbClr val="000000"/>
                     </a:solidFill>
@@ -11442,7 +11450,7 @@
               </a:ln>
               <a:extLst>
                 <a:ext uri="{91240B29-F687-4f45-9708-019B960494DF}">
-                  <a14:hiddenLine xmlns:a14="http://schemas.microsoft.com/office/drawing/2010/main" xmlns="" w="9525">
+                  <a14:hiddenLine xmlns="" xmlns:a14="http://schemas.microsoft.com/office/drawing/2010/main" w="9525">
                     <a:solidFill>
                       <a:srgbClr val="000000"/>
                     </a:solidFill>
@@ -11510,7 +11518,7 @@
               </a:ln>
               <a:extLst>
                 <a:ext uri="{91240B29-F687-4f45-9708-019B960494DF}">
-                  <a14:hiddenLine xmlns:a14="http://schemas.microsoft.com/office/drawing/2010/main" xmlns="" w="9525">
+                  <a14:hiddenLine xmlns="" xmlns:a14="http://schemas.microsoft.com/office/drawing/2010/main" w="9525">
                     <a:solidFill>
                       <a:srgbClr val="000000"/>
                     </a:solidFill>
@@ -11600,7 +11608,7 @@
               </a:ln>
               <a:extLst>
                 <a:ext uri="{91240B29-F687-4f45-9708-019B960494DF}">
-                  <a14:hiddenLine xmlns:a14="http://schemas.microsoft.com/office/drawing/2010/main" xmlns="" w="9525">
+                  <a14:hiddenLine xmlns="" xmlns:a14="http://schemas.microsoft.com/office/drawing/2010/main" w="9525">
                     <a:solidFill>
                       <a:srgbClr val="000000"/>
                     </a:solidFill>
@@ -11668,7 +11676,7 @@
               </a:ln>
               <a:extLst>
                 <a:ext uri="{91240B29-F687-4f45-9708-019B960494DF}">
-                  <a14:hiddenLine xmlns:a14="http://schemas.microsoft.com/office/drawing/2010/main" xmlns="" w="9525">
+                  <a14:hiddenLine xmlns="" xmlns:a14="http://schemas.microsoft.com/office/drawing/2010/main" w="9525">
                     <a:solidFill>
                       <a:srgbClr val="000000"/>
                     </a:solidFill>
@@ -11758,7 +11766,7 @@
               </a:ln>
               <a:extLst>
                 <a:ext uri="{91240B29-F687-4f45-9708-019B960494DF}">
-                  <a14:hiddenLine xmlns:a14="http://schemas.microsoft.com/office/drawing/2010/main" xmlns="" w="9525">
+                  <a14:hiddenLine xmlns="" xmlns:a14="http://schemas.microsoft.com/office/drawing/2010/main" w="9525">
                     <a:solidFill>
                       <a:srgbClr val="000000"/>
                     </a:solidFill>
@@ -11792,7 +11800,7 @@
               </a:ln>
               <a:extLst>
                 <a:ext uri="{91240B29-F687-4f45-9708-019B960494DF}">
-                  <a14:hiddenLine xmlns:a14="http://schemas.microsoft.com/office/drawing/2010/main" xmlns="" w="9525">
+                  <a14:hiddenLine xmlns="" xmlns:a14="http://schemas.microsoft.com/office/drawing/2010/main" w="9525">
                     <a:solidFill>
                       <a:srgbClr val="000000"/>
                     </a:solidFill>
@@ -11933,7 +11941,7 @@
             <a:fld id="{48A87A34-81AB-432B-8DAE-1953F412C126}" type="datetimeFigureOut">
               <a:rPr lang="en-US" dirty="0"/>
               <a:pPr/>
-              <a:t>3/23/2019</a:t>
+              <a:t>4/7/2019</a:t>
             </a:fld>
             <a:endParaRPr lang="en-US" dirty="0"/>
           </a:p>
@@ -12482,6 +12490,118 @@
 </p:sld>
 </file>
 
+<file path=ppt/slides/slide10.xml><?xml version="1.0" encoding="utf-8"?>
+<p:sld xmlns:a="http://schemas.openxmlformats.org/drawingml/2006/main" xmlns:r="http://schemas.openxmlformats.org/officeDocument/2006/relationships" xmlns:p="http://schemas.openxmlformats.org/presentationml/2006/main">
+  <p:cSld>
+    <p:spTree>
+      <p:nvGrpSpPr>
+        <p:cNvPr id="1" name=""/>
+        <p:cNvGrpSpPr/>
+        <p:nvPr/>
+      </p:nvGrpSpPr>
+      <p:grpSpPr>
+        <a:xfrm>
+          <a:off x="0" y="0"/>
+          <a:ext cx="0" cy="0"/>
+          <a:chOff x="0" y="0"/>
+          <a:chExt cx="0" cy="0"/>
+        </a:xfrm>
+      </p:grpSpPr>
+      <p:sp>
+        <p:nvSpPr>
+          <p:cNvPr id="2" name="Title 1">
+            <a:extLst>
+              <a:ext uri="{FF2B5EF4-FFF2-40B4-BE49-F238E27FC236}">
+                <a16:creationId xmlns:a16="http://schemas.microsoft.com/office/drawing/2014/main" id="{77E53806-CD9B-4FFA-B2FE-3702247849A6}"/>
+              </a:ext>
+            </a:extLst>
+          </p:cNvPr>
+          <p:cNvSpPr>
+            <a:spLocks noGrp="1"/>
+          </p:cNvSpPr>
+          <p:nvPr>
+            <p:ph type="title"/>
+          </p:nvPr>
+        </p:nvSpPr>
+        <p:spPr/>
+        <p:txBody>
+          <a:bodyPr/>
+          <a:lstStyle/>
+          <a:p>
+            <a:r>
+              <a:rPr lang="en-US" dirty="0" err="1"/>
+              <a:t>DAFtar</a:t>
+            </a:r>
+            <a:r>
+              <a:rPr lang="en-US" dirty="0"/>
+              <a:t> </a:t>
+            </a:r>
+            <a:r>
+              <a:rPr lang="en-US" dirty="0" err="1"/>
+              <a:t>pustaka</a:t>
+            </a:r>
+            <a:endParaRPr lang="en-ID" dirty="0"/>
+          </a:p>
+        </p:txBody>
+      </p:sp>
+      <p:sp>
+        <p:nvSpPr>
+          <p:cNvPr id="3" name="Content Placeholder 2">
+            <a:extLst>
+              <a:ext uri="{FF2B5EF4-FFF2-40B4-BE49-F238E27FC236}">
+                <a16:creationId xmlns:a16="http://schemas.microsoft.com/office/drawing/2014/main" id="{A9D281EB-468C-4CA5-B9A0-F23ABB2A4C53}"/>
+              </a:ext>
+            </a:extLst>
+          </p:cNvPr>
+          <p:cNvSpPr>
+            <a:spLocks noGrp="1"/>
+          </p:cNvSpPr>
+          <p:nvPr>
+            <p:ph idx="1"/>
+          </p:nvPr>
+        </p:nvSpPr>
+        <p:spPr/>
+        <p:txBody>
+          <a:bodyPr/>
+          <a:lstStyle/>
+          <a:p>
+            <a:r>
+              <a:rPr lang="en-US" dirty="0"/>
+              <a:t>Wikipedia.com/</a:t>
+            </a:r>
+            <a:r>
+              <a:rPr lang="en-US" dirty="0" err="1"/>
+              <a:t>pengertian</a:t>
+            </a:r>
+            <a:r>
+              <a:rPr lang="en-US" dirty="0"/>
+              <a:t>-python</a:t>
+            </a:r>
+          </a:p>
+          <a:p>
+            <a:r>
+              <a:rPr lang="en-US" dirty="0"/>
+              <a:t>Github.com/andito13</a:t>
+            </a:r>
+          </a:p>
+          <a:p>
+            <a:endParaRPr lang="en-ID" dirty="0"/>
+          </a:p>
+        </p:txBody>
+      </p:sp>
+    </p:spTree>
+    <p:extLst>
+      <p:ext uri="{BB962C8B-B14F-4D97-AF65-F5344CB8AC3E}">
+        <p14:creationId xmlns:p14="http://schemas.microsoft.com/office/powerpoint/2010/main" val="2826404212"/>
+      </p:ext>
+    </p:extLst>
+  </p:cSld>
+  <p:clrMapOvr>
+    <a:masterClrMapping/>
+  </p:clrMapOvr>
+</p:sld>
+</file>
+
 <file path=ppt/slides/slide2.xml><?xml version="1.0" encoding="utf-8"?>
 <p:sld xmlns:a="http://schemas.openxmlformats.org/drawingml/2006/main" xmlns:r="http://schemas.openxmlformats.org/officeDocument/2006/relationships" xmlns:p="http://schemas.openxmlformats.org/presentationml/2006/main">
   <p:cSld>
@@ -15044,6 +15164,893 @@
     <p:extLst>
       <p:ext uri="{BB962C8B-B14F-4D97-AF65-F5344CB8AC3E}">
         <p14:creationId xmlns:p14="http://schemas.microsoft.com/office/powerpoint/2010/main" val="1588802918"/>
+      </p:ext>
+    </p:extLst>
+  </p:cSld>
+  <p:clrMapOvr>
+    <a:masterClrMapping/>
+  </p:clrMapOvr>
+</p:sld>
+</file>
+
+<file path=ppt/slides/slide8.xml><?xml version="1.0" encoding="utf-8"?>
+<p:sld xmlns:a="http://schemas.openxmlformats.org/drawingml/2006/main" xmlns:r="http://schemas.openxmlformats.org/officeDocument/2006/relationships" xmlns:p="http://schemas.openxmlformats.org/presentationml/2006/main">
+  <p:cSld>
+    <p:spTree>
+      <p:nvGrpSpPr>
+        <p:cNvPr id="1" name=""/>
+        <p:cNvGrpSpPr/>
+        <p:nvPr/>
+      </p:nvGrpSpPr>
+      <p:grpSpPr>
+        <a:xfrm>
+          <a:off x="0" y="0"/>
+          <a:ext cx="0" cy="0"/>
+          <a:chOff x="0" y="0"/>
+          <a:chExt cx="0" cy="0"/>
+        </a:xfrm>
+      </p:grpSpPr>
+      <p:sp>
+        <p:nvSpPr>
+          <p:cNvPr id="2" name="Title 1">
+            <a:extLst>
+              <a:ext uri="{FF2B5EF4-FFF2-40B4-BE49-F238E27FC236}">
+                <a16:creationId xmlns:a16="http://schemas.microsoft.com/office/drawing/2014/main" id="{4F38023E-84A6-4CF0-AFE0-4704A18C841B}"/>
+              </a:ext>
+            </a:extLst>
+          </p:cNvPr>
+          <p:cNvSpPr>
+            <a:spLocks noGrp="1"/>
+          </p:cNvSpPr>
+          <p:nvPr>
+            <p:ph type="title"/>
+          </p:nvPr>
+        </p:nvSpPr>
+        <p:spPr/>
+        <p:txBody>
+          <a:bodyPr/>
+          <a:lstStyle/>
+          <a:p>
+            <a:r>
+              <a:rPr lang="en-US" dirty="0"/>
+              <a:t>JUPYTER PADA PYTHON</a:t>
+            </a:r>
+            <a:endParaRPr lang="en-ID" dirty="0"/>
+          </a:p>
+        </p:txBody>
+      </p:sp>
+      <p:sp>
+        <p:nvSpPr>
+          <p:cNvPr id="3" name="Content Placeholder 2">
+            <a:extLst>
+              <a:ext uri="{FF2B5EF4-FFF2-40B4-BE49-F238E27FC236}">
+                <a16:creationId xmlns:a16="http://schemas.microsoft.com/office/drawing/2014/main" id="{073F52B1-0929-43B7-BF94-E076BDDFCA36}"/>
+              </a:ext>
+            </a:extLst>
+          </p:cNvPr>
+          <p:cNvSpPr>
+            <a:spLocks noGrp="1"/>
+          </p:cNvSpPr>
+          <p:nvPr>
+            <p:ph idx="1"/>
+          </p:nvPr>
+        </p:nvSpPr>
+        <p:spPr>
+          <a:xfrm>
+            <a:off x="1141412" y="1757778"/>
+            <a:ext cx="9905999" cy="4481703"/>
+          </a:xfrm>
+        </p:spPr>
+        <p:txBody>
+          <a:bodyPr>
+            <a:normAutofit/>
+          </a:bodyPr>
+          <a:lstStyle/>
+          <a:p>
+            <a:pPr algn="just">
+              <a:lnSpc>
+                <a:spcPct val="150000"/>
+              </a:lnSpc>
+            </a:pPr>
+            <a:r>
+              <a:rPr lang="en-US" sz="2000" dirty="0" err="1"/>
+              <a:t>Sebuah</a:t>
+            </a:r>
+            <a:r>
+              <a:rPr lang="en-US" sz="2000" dirty="0"/>
+              <a:t> </a:t>
+            </a:r>
+            <a:r>
+              <a:rPr lang="en-US" sz="2000" dirty="0" err="1"/>
+              <a:t>aplikasi</a:t>
+            </a:r>
+            <a:r>
+              <a:rPr lang="en-US" sz="2000" dirty="0"/>
+              <a:t> open source yang </a:t>
+            </a:r>
+            <a:r>
+              <a:rPr lang="en-US" sz="2000" dirty="0" err="1"/>
+              <a:t>fungsinya</a:t>
+            </a:r>
+            <a:r>
+              <a:rPr lang="en-US" sz="2000" dirty="0"/>
+              <a:t> </a:t>
+            </a:r>
+            <a:r>
+              <a:rPr lang="en-US" sz="2000" dirty="0" err="1"/>
+              <a:t>untuk</a:t>
+            </a:r>
+            <a:r>
+              <a:rPr lang="en-US" sz="2000" dirty="0"/>
+              <a:t> </a:t>
+            </a:r>
+            <a:r>
+              <a:rPr lang="en-US" sz="2000" dirty="0" err="1"/>
+              <a:t>membuat</a:t>
+            </a:r>
+            <a:r>
+              <a:rPr lang="en-US" sz="2000" dirty="0"/>
+              <a:t> dan </a:t>
+            </a:r>
+            <a:r>
+              <a:rPr lang="en-US" sz="2000" dirty="0" err="1"/>
+              <a:t>berbagi</a:t>
+            </a:r>
+            <a:r>
+              <a:rPr lang="en-US" sz="2000" dirty="0"/>
+              <a:t> </a:t>
+            </a:r>
+            <a:r>
+              <a:rPr lang="en-US" sz="2000" dirty="0" err="1"/>
+              <a:t>dokumen</a:t>
+            </a:r>
+            <a:r>
+              <a:rPr lang="en-US" sz="2000" dirty="0"/>
+              <a:t> yang </a:t>
+            </a:r>
+            <a:r>
+              <a:rPr lang="en-US" sz="2000" dirty="0" err="1"/>
+              <a:t>berisi</a:t>
+            </a:r>
+            <a:r>
+              <a:rPr lang="en-US" sz="2000" dirty="0"/>
+              <a:t> live code, </a:t>
+            </a:r>
+            <a:r>
+              <a:rPr lang="en-US" sz="2000" dirty="0" err="1"/>
+              <a:t>persamaan</a:t>
+            </a:r>
+            <a:r>
+              <a:rPr lang="en-US" sz="2000" dirty="0"/>
+              <a:t>, </a:t>
+            </a:r>
+            <a:r>
+              <a:rPr lang="en-US" sz="2000" dirty="0" err="1"/>
+              <a:t>visualisasi</a:t>
+            </a:r>
+            <a:r>
+              <a:rPr lang="en-US" sz="2000" dirty="0"/>
+              <a:t> dan </a:t>
+            </a:r>
+            <a:r>
+              <a:rPr lang="en-US" sz="2000" dirty="0" err="1"/>
+              <a:t>teks</a:t>
+            </a:r>
+            <a:r>
+              <a:rPr lang="en-US" sz="2000" dirty="0"/>
+              <a:t> </a:t>
+            </a:r>
+            <a:r>
+              <a:rPr lang="en-US" sz="2000" dirty="0" err="1"/>
+              <a:t>penjelasan</a:t>
+            </a:r>
+            <a:r>
+              <a:rPr lang="en-US" sz="2000" dirty="0"/>
+              <a:t>.</a:t>
+            </a:r>
+          </a:p>
+          <a:p>
+            <a:pPr algn="just">
+              <a:lnSpc>
+                <a:spcPct val="150000"/>
+              </a:lnSpc>
+            </a:pPr>
+            <a:r>
+              <a:rPr lang="en-US" sz="2000" dirty="0" err="1"/>
+              <a:t>Untuk</a:t>
+            </a:r>
+            <a:r>
+              <a:rPr lang="en-US" sz="2000" dirty="0"/>
+              <a:t> </a:t>
+            </a:r>
+            <a:r>
+              <a:rPr lang="en-US" sz="2000" dirty="0" err="1"/>
+              <a:t>menginstall</a:t>
+            </a:r>
+            <a:r>
+              <a:rPr lang="en-US" sz="2000" dirty="0"/>
+              <a:t> </a:t>
+            </a:r>
+            <a:r>
+              <a:rPr lang="en-US" sz="2000" dirty="0" err="1"/>
+              <a:t>Jupyter</a:t>
+            </a:r>
+            <a:r>
+              <a:rPr lang="en-US" sz="2000" dirty="0"/>
+              <a:t>, </a:t>
+            </a:r>
+            <a:r>
+              <a:rPr lang="en-US" sz="2000" dirty="0" err="1"/>
+              <a:t>kita</a:t>
+            </a:r>
+            <a:r>
+              <a:rPr lang="en-US" sz="2000" dirty="0"/>
+              <a:t> </a:t>
+            </a:r>
+            <a:r>
+              <a:rPr lang="en-US" sz="2000" dirty="0" err="1"/>
+              <a:t>bisa</a:t>
+            </a:r>
+            <a:r>
+              <a:rPr lang="en-US" sz="2000" dirty="0"/>
+              <a:t> </a:t>
+            </a:r>
+            <a:r>
+              <a:rPr lang="en-US" sz="2000" dirty="0" err="1"/>
+              <a:t>menginstall</a:t>
+            </a:r>
+            <a:r>
+              <a:rPr lang="en-US" sz="2000" dirty="0"/>
+              <a:t> Anaconda </a:t>
+            </a:r>
+            <a:r>
+              <a:rPr lang="en-US" sz="2000" dirty="0" err="1"/>
+              <a:t>karena</a:t>
+            </a:r>
+            <a:r>
+              <a:rPr lang="en-US" sz="2000" dirty="0"/>
+              <a:t> di </a:t>
+            </a:r>
+            <a:r>
+              <a:rPr lang="en-US" sz="2000" dirty="0" err="1"/>
+              <a:t>dalamnya</a:t>
+            </a:r>
+            <a:r>
+              <a:rPr lang="en-US" sz="2000" dirty="0"/>
+              <a:t> </a:t>
+            </a:r>
+            <a:r>
+              <a:rPr lang="en-US" sz="2000" dirty="0" err="1"/>
+              <a:t>terdapat</a:t>
+            </a:r>
+            <a:r>
+              <a:rPr lang="en-US" sz="2000" dirty="0"/>
+              <a:t> </a:t>
+            </a:r>
+            <a:r>
+              <a:rPr lang="en-US" sz="2000" dirty="0" err="1"/>
+              <a:t>Jupyter</a:t>
+            </a:r>
+            <a:r>
+              <a:rPr lang="en-US" sz="2000" dirty="0"/>
+              <a:t>.</a:t>
+            </a:r>
+          </a:p>
+          <a:p>
+            <a:pPr algn="just">
+              <a:lnSpc>
+                <a:spcPct val="150000"/>
+              </a:lnSpc>
+            </a:pPr>
+            <a:r>
+              <a:rPr lang="en-US" sz="2000" dirty="0"/>
+              <a:t>Setelah </a:t>
+            </a:r>
+            <a:r>
+              <a:rPr lang="en-US" sz="2000" dirty="0" err="1"/>
+              <a:t>menginstall</a:t>
+            </a:r>
+            <a:r>
+              <a:rPr lang="en-US" sz="2000" dirty="0"/>
+              <a:t> Anaconda </a:t>
+            </a:r>
+            <a:r>
+              <a:rPr lang="en-US" sz="2000" dirty="0" err="1"/>
+              <a:t>kita</a:t>
+            </a:r>
+            <a:r>
+              <a:rPr lang="en-US" sz="2000" dirty="0"/>
+              <a:t> </a:t>
+            </a:r>
+            <a:r>
+              <a:rPr lang="en-US" sz="2000" dirty="0" err="1"/>
+              <a:t>dapat</a:t>
+            </a:r>
+            <a:r>
+              <a:rPr lang="en-US" sz="2000" dirty="0"/>
+              <a:t> </a:t>
+            </a:r>
+            <a:r>
+              <a:rPr lang="en-US" sz="2000" dirty="0" err="1"/>
+              <a:t>membuka</a:t>
+            </a:r>
+            <a:r>
+              <a:rPr lang="en-US" sz="2000" dirty="0"/>
+              <a:t> </a:t>
+            </a:r>
+            <a:r>
+              <a:rPr lang="en-US" sz="2000" dirty="0" err="1"/>
+              <a:t>Jupyter</a:t>
+            </a:r>
+            <a:r>
+              <a:rPr lang="en-US" sz="2000" dirty="0"/>
+              <a:t> Notebook </a:t>
+            </a:r>
+            <a:r>
+              <a:rPr lang="en-US" sz="2000" dirty="0" err="1"/>
+              <a:t>dengan</a:t>
+            </a:r>
+            <a:r>
+              <a:rPr lang="en-US" sz="2000" dirty="0"/>
+              <a:t> 2 </a:t>
+            </a:r>
+            <a:r>
+              <a:rPr lang="en-US" sz="2000" dirty="0" err="1"/>
+              <a:t>cara</a:t>
+            </a:r>
+            <a:r>
+              <a:rPr lang="en-US" sz="2000" dirty="0"/>
+              <a:t> </a:t>
+            </a:r>
+            <a:r>
+              <a:rPr lang="en-US" sz="2000" dirty="0" err="1"/>
+              <a:t>yaitu</a:t>
+            </a:r>
+            <a:r>
+              <a:rPr lang="en-US" sz="2000" dirty="0"/>
+              <a:t> </a:t>
+            </a:r>
+            <a:r>
+              <a:rPr lang="en-US" sz="2000" dirty="0" err="1"/>
+              <a:t>langsung</a:t>
+            </a:r>
+            <a:r>
+              <a:rPr lang="en-US" sz="2000" dirty="0"/>
+              <a:t> </a:t>
+            </a:r>
+            <a:r>
+              <a:rPr lang="en-US" sz="2000" dirty="0" err="1"/>
+              <a:t>mengklik</a:t>
+            </a:r>
+            <a:r>
+              <a:rPr lang="en-US" sz="2000" dirty="0"/>
+              <a:t> </a:t>
+            </a:r>
+            <a:r>
+              <a:rPr lang="en-US" sz="2000" dirty="0" err="1"/>
+              <a:t>Jupyter</a:t>
+            </a:r>
+            <a:r>
+              <a:rPr lang="en-US" sz="2000" dirty="0"/>
+              <a:t> Notebook pada start  </a:t>
+            </a:r>
+            <a:r>
+              <a:rPr lang="en-US" sz="2000" dirty="0" err="1"/>
+              <a:t>atau</a:t>
+            </a:r>
+            <a:r>
+              <a:rPr lang="en-US" sz="2000" dirty="0"/>
+              <a:t> </a:t>
+            </a:r>
+            <a:r>
+              <a:rPr lang="en-US" sz="2000" dirty="0" err="1"/>
+              <a:t>dengan</a:t>
+            </a:r>
+            <a:r>
+              <a:rPr lang="en-US" sz="2000" dirty="0"/>
+              <a:t> </a:t>
+            </a:r>
+            <a:r>
+              <a:rPr lang="en-US" sz="2000" dirty="0" err="1"/>
+              <a:t>membuka</a:t>
+            </a:r>
+            <a:r>
+              <a:rPr lang="en-US" sz="2000" dirty="0"/>
+              <a:t> Anaconda Prompt pada start </a:t>
+            </a:r>
+            <a:r>
+              <a:rPr lang="en-US" sz="2000" dirty="0" err="1"/>
+              <a:t>lalu</a:t>
+            </a:r>
+            <a:r>
+              <a:rPr lang="en-US" sz="2000" dirty="0"/>
+              <a:t> </a:t>
+            </a:r>
+            <a:r>
+              <a:rPr lang="en-US" sz="2000" dirty="0" err="1"/>
+              <a:t>mengetikkan</a:t>
+            </a:r>
+            <a:r>
+              <a:rPr lang="en-US" sz="2000" dirty="0"/>
+              <a:t> </a:t>
+            </a:r>
+            <a:r>
+              <a:rPr lang="en-US" sz="2000" dirty="0" err="1"/>
+              <a:t>Jupyter</a:t>
+            </a:r>
+            <a:r>
+              <a:rPr lang="en-US" sz="2000" dirty="0"/>
+              <a:t> Notebook.</a:t>
+            </a:r>
+          </a:p>
+          <a:p>
+            <a:pPr algn="just">
+              <a:lnSpc>
+                <a:spcPct val="150000"/>
+              </a:lnSpc>
+            </a:pPr>
+            <a:r>
+              <a:rPr lang="en-US" sz="2000" dirty="0" err="1"/>
+              <a:t>Maka</a:t>
+            </a:r>
+            <a:r>
+              <a:rPr lang="en-US" sz="2000" dirty="0"/>
+              <a:t> </a:t>
+            </a:r>
+            <a:r>
+              <a:rPr lang="en-US" sz="2000" dirty="0" err="1"/>
+              <a:t>Jupyter</a:t>
+            </a:r>
+            <a:r>
+              <a:rPr lang="en-US" sz="2000" dirty="0"/>
+              <a:t> Notebook </a:t>
+            </a:r>
+            <a:r>
+              <a:rPr lang="en-US" sz="2000" dirty="0" err="1"/>
+              <a:t>akan</a:t>
+            </a:r>
+            <a:r>
+              <a:rPr lang="en-US" sz="2000" dirty="0"/>
+              <a:t> </a:t>
+            </a:r>
+            <a:r>
+              <a:rPr lang="en-US" sz="2000" dirty="0" err="1"/>
+              <a:t>terbuka</a:t>
+            </a:r>
+            <a:r>
+              <a:rPr lang="en-US" sz="2000" dirty="0"/>
+              <a:t> pada default browser </a:t>
+            </a:r>
+            <a:r>
+              <a:rPr lang="en-US" sz="2000" dirty="0" err="1"/>
+              <a:t>kita</a:t>
+            </a:r>
+            <a:r>
+              <a:rPr lang="en-US" sz="2000" dirty="0"/>
+              <a:t>.</a:t>
+            </a:r>
+            <a:endParaRPr lang="en-ID" sz="2000" dirty="0"/>
+          </a:p>
+        </p:txBody>
+      </p:sp>
+    </p:spTree>
+    <p:extLst>
+      <p:ext uri="{BB962C8B-B14F-4D97-AF65-F5344CB8AC3E}">
+        <p14:creationId xmlns:p14="http://schemas.microsoft.com/office/powerpoint/2010/main" val="2191714529"/>
+      </p:ext>
+    </p:extLst>
+  </p:cSld>
+  <p:clrMapOvr>
+    <a:masterClrMapping/>
+  </p:clrMapOvr>
+</p:sld>
+</file>
+
+<file path=ppt/slides/slide9.xml><?xml version="1.0" encoding="utf-8"?>
+<p:sld xmlns:a="http://schemas.openxmlformats.org/drawingml/2006/main" xmlns:r="http://schemas.openxmlformats.org/officeDocument/2006/relationships" xmlns:p="http://schemas.openxmlformats.org/presentationml/2006/main">
+  <p:cSld>
+    <p:spTree>
+      <p:nvGrpSpPr>
+        <p:cNvPr id="1" name=""/>
+        <p:cNvGrpSpPr/>
+        <p:nvPr/>
+      </p:nvGrpSpPr>
+      <p:grpSpPr>
+        <a:xfrm>
+          <a:off x="0" y="0"/>
+          <a:ext cx="0" cy="0"/>
+          <a:chOff x="0" y="0"/>
+          <a:chExt cx="0" cy="0"/>
+        </a:xfrm>
+      </p:grpSpPr>
+      <p:sp>
+        <p:nvSpPr>
+          <p:cNvPr id="2" name="Title 1">
+            <a:extLst>
+              <a:ext uri="{FF2B5EF4-FFF2-40B4-BE49-F238E27FC236}">
+                <a16:creationId xmlns:a16="http://schemas.microsoft.com/office/drawing/2014/main" id="{FE96EBDE-2722-456D-B334-DEC9633D06DD}"/>
+              </a:ext>
+            </a:extLst>
+          </p:cNvPr>
+          <p:cNvSpPr>
+            <a:spLocks noGrp="1"/>
+          </p:cNvSpPr>
+          <p:nvPr>
+            <p:ph type="title"/>
+          </p:nvPr>
+        </p:nvSpPr>
+        <p:spPr/>
+        <p:txBody>
+          <a:bodyPr/>
+          <a:lstStyle/>
+          <a:p>
+            <a:r>
+              <a:rPr lang="en-US" dirty="0"/>
+              <a:t>Seaborn Pada Python</a:t>
+            </a:r>
+            <a:endParaRPr lang="en-ID" dirty="0"/>
+          </a:p>
+        </p:txBody>
+      </p:sp>
+      <p:sp>
+        <p:nvSpPr>
+          <p:cNvPr id="3" name="Content Placeholder 2">
+            <a:extLst>
+              <a:ext uri="{FF2B5EF4-FFF2-40B4-BE49-F238E27FC236}">
+                <a16:creationId xmlns:a16="http://schemas.microsoft.com/office/drawing/2014/main" id="{BB787F53-9E75-4C82-8267-9C12641BFB77}"/>
+              </a:ext>
+            </a:extLst>
+          </p:cNvPr>
+          <p:cNvSpPr>
+            <a:spLocks noGrp="1"/>
+          </p:cNvSpPr>
+          <p:nvPr>
+            <p:ph idx="1"/>
+          </p:nvPr>
+        </p:nvSpPr>
+        <p:spPr>
+          <a:xfrm>
+            <a:off x="1141412" y="2618913"/>
+            <a:ext cx="9905999" cy="3620568"/>
+          </a:xfrm>
+        </p:spPr>
+        <p:txBody>
+          <a:bodyPr>
+            <a:normAutofit/>
+          </a:bodyPr>
+          <a:lstStyle/>
+          <a:p>
+            <a:pPr algn="just">
+              <a:lnSpc>
+                <a:spcPct val="150000"/>
+              </a:lnSpc>
+            </a:pPr>
+            <a:r>
+              <a:rPr lang="en-US" sz="2000" dirty="0" err="1"/>
+              <a:t>perpustakaan</a:t>
+            </a:r>
+            <a:r>
+              <a:rPr lang="en-US" sz="2000" dirty="0"/>
+              <a:t> </a:t>
+            </a:r>
+            <a:r>
+              <a:rPr lang="en-US" sz="2000" dirty="0" err="1"/>
+              <a:t>visualisasi</a:t>
+            </a:r>
+            <a:r>
+              <a:rPr lang="en-US" sz="2000" dirty="0"/>
+              <a:t> data Python </a:t>
+            </a:r>
+            <a:r>
+              <a:rPr lang="en-US" sz="2000" dirty="0" err="1"/>
+              <a:t>berdasarkan</a:t>
+            </a:r>
+            <a:r>
+              <a:rPr lang="en-US" sz="2000" dirty="0"/>
+              <a:t> matplotlib. Seaborn </a:t>
+            </a:r>
+            <a:r>
+              <a:rPr lang="en-US" sz="2000" dirty="0" err="1"/>
+              <a:t>menyediakan</a:t>
+            </a:r>
+            <a:r>
+              <a:rPr lang="en-US" sz="2000" dirty="0"/>
+              <a:t> </a:t>
+            </a:r>
+            <a:r>
+              <a:rPr lang="en-US" sz="2000" dirty="0" err="1"/>
+              <a:t>antarmuka</a:t>
+            </a:r>
+            <a:r>
+              <a:rPr lang="en-US" sz="2000" dirty="0"/>
+              <a:t> </a:t>
+            </a:r>
+            <a:r>
+              <a:rPr lang="en-US" sz="2000" dirty="0" err="1"/>
+              <a:t>tingkat</a:t>
+            </a:r>
+            <a:r>
+              <a:rPr lang="en-US" sz="2000" dirty="0"/>
+              <a:t> </a:t>
+            </a:r>
+            <a:r>
+              <a:rPr lang="en-US" sz="2000" dirty="0" err="1"/>
+              <a:t>tinggi</a:t>
+            </a:r>
+            <a:r>
+              <a:rPr lang="en-US" sz="2000" dirty="0"/>
+              <a:t> </a:t>
+            </a:r>
+            <a:r>
+              <a:rPr lang="en-US" sz="2000" dirty="0" err="1"/>
+              <a:t>untuk</a:t>
+            </a:r>
+            <a:r>
+              <a:rPr lang="en-US" sz="2000" dirty="0"/>
+              <a:t> </a:t>
+            </a:r>
+            <a:r>
+              <a:rPr lang="en-US" sz="2000" dirty="0" err="1"/>
+              <a:t>menggambar</a:t>
+            </a:r>
+            <a:r>
+              <a:rPr lang="en-US" sz="2000" dirty="0"/>
+              <a:t> </a:t>
+            </a:r>
+            <a:r>
+              <a:rPr lang="en-US" sz="2000" dirty="0" err="1"/>
+              <a:t>grafik</a:t>
+            </a:r>
+            <a:r>
+              <a:rPr lang="en-US" sz="2000" dirty="0"/>
+              <a:t> </a:t>
+            </a:r>
+            <a:r>
+              <a:rPr lang="en-US" sz="2000" dirty="0" err="1"/>
+              <a:t>statistik</a:t>
+            </a:r>
+            <a:r>
+              <a:rPr lang="en-US" sz="2000" dirty="0"/>
+              <a:t> yang </a:t>
+            </a:r>
+            <a:r>
+              <a:rPr lang="en-US" sz="2000" dirty="0" err="1"/>
+              <a:t>menarik</a:t>
+            </a:r>
+            <a:r>
+              <a:rPr lang="en-US" sz="2000" dirty="0"/>
+              <a:t> dan </a:t>
+            </a:r>
+            <a:r>
+              <a:rPr lang="en-US" sz="2000" dirty="0" err="1"/>
+              <a:t>informatif</a:t>
+            </a:r>
+            <a:r>
+              <a:rPr lang="en-US" sz="2000" dirty="0"/>
+              <a:t>.</a:t>
+            </a:r>
+          </a:p>
+          <a:p>
+            <a:pPr algn="just">
+              <a:lnSpc>
+                <a:spcPct val="150000"/>
+              </a:lnSpc>
+            </a:pPr>
+            <a:r>
+              <a:rPr lang="en-US" sz="2000" dirty="0" err="1"/>
+              <a:t>Jika</a:t>
+            </a:r>
+            <a:r>
+              <a:rPr lang="en-US" sz="2000" dirty="0"/>
+              <a:t> </a:t>
+            </a:r>
+            <a:r>
+              <a:rPr lang="en-US" sz="2000" dirty="0" err="1"/>
+              <a:t>kita</a:t>
+            </a:r>
+            <a:r>
+              <a:rPr lang="en-US" sz="2000" dirty="0"/>
+              <a:t> </a:t>
+            </a:r>
+            <a:r>
+              <a:rPr lang="en-US" sz="2000" dirty="0" err="1"/>
+              <a:t>sudah</a:t>
+            </a:r>
+            <a:r>
+              <a:rPr lang="en-US" sz="2000" dirty="0"/>
+              <a:t> </a:t>
+            </a:r>
+            <a:r>
+              <a:rPr lang="en-US" sz="2000" dirty="0" err="1"/>
+              <a:t>mengimport</a:t>
+            </a:r>
+            <a:r>
+              <a:rPr lang="en-US" sz="2000" dirty="0"/>
+              <a:t> Seaborn, </a:t>
+            </a:r>
+            <a:r>
+              <a:rPr lang="en-US" sz="2000" dirty="0" err="1"/>
+              <a:t>kita</a:t>
+            </a:r>
+            <a:r>
+              <a:rPr lang="en-US" sz="2000" dirty="0"/>
+              <a:t> </a:t>
+            </a:r>
+            <a:r>
+              <a:rPr lang="en-US" sz="2000" dirty="0" err="1"/>
+              <a:t>dapat</a:t>
+            </a:r>
+            <a:r>
+              <a:rPr lang="en-US" sz="2000" dirty="0"/>
+              <a:t> </a:t>
+            </a:r>
+            <a:r>
+              <a:rPr lang="en-US" sz="2000" dirty="0" err="1"/>
+              <a:t>melihat</a:t>
+            </a:r>
+            <a:r>
+              <a:rPr lang="en-US" sz="2000" dirty="0"/>
+              <a:t> </a:t>
+            </a:r>
+            <a:r>
+              <a:rPr lang="en-US" sz="2000" dirty="0" err="1"/>
+              <a:t>apakah</a:t>
+            </a:r>
+            <a:r>
+              <a:rPr lang="en-US" sz="2000" dirty="0"/>
+              <a:t> Seaborn </a:t>
+            </a:r>
+            <a:r>
+              <a:rPr lang="en-US" sz="2000" dirty="0" err="1"/>
+              <a:t>sudah</a:t>
+            </a:r>
+            <a:r>
+              <a:rPr lang="en-US" sz="2000" dirty="0"/>
+              <a:t> </a:t>
+            </a:r>
+            <a:r>
+              <a:rPr lang="en-US" sz="2000" dirty="0" err="1"/>
+              <a:t>terpasang</a:t>
+            </a:r>
+            <a:r>
+              <a:rPr lang="en-US" sz="2000" dirty="0"/>
+              <a:t> </a:t>
+            </a:r>
+            <a:r>
+              <a:rPr lang="en-US" sz="2000" dirty="0" err="1"/>
+              <a:t>dengan</a:t>
+            </a:r>
+            <a:r>
+              <a:rPr lang="en-US" sz="2000" dirty="0"/>
+              <a:t> </a:t>
+            </a:r>
+            <a:r>
+              <a:rPr lang="en-US" sz="2000" dirty="0" err="1"/>
+              <a:t>benar</a:t>
+            </a:r>
+            <a:r>
+              <a:rPr lang="en-US" sz="2000" dirty="0"/>
+              <a:t> </a:t>
+            </a:r>
+            <a:r>
+              <a:rPr lang="en-US" sz="2000" dirty="0" err="1"/>
+              <a:t>atau</a:t>
+            </a:r>
+            <a:r>
+              <a:rPr lang="en-US" sz="2000" dirty="0"/>
+              <a:t> </a:t>
+            </a:r>
+            <a:r>
+              <a:rPr lang="en-US" sz="2000" dirty="0" err="1"/>
+              <a:t>tidak</a:t>
+            </a:r>
+            <a:r>
+              <a:rPr lang="en-US" sz="2000" dirty="0"/>
+              <a:t> </a:t>
+            </a:r>
+            <a:r>
+              <a:rPr lang="en-US" sz="2000" dirty="0" err="1"/>
+              <a:t>dengan</a:t>
+            </a:r>
+            <a:r>
+              <a:rPr lang="en-US" sz="2000" dirty="0"/>
+              <a:t> </a:t>
+            </a:r>
+            <a:r>
+              <a:rPr lang="en-US" sz="2000" dirty="0" err="1"/>
+              <a:t>mengetikkan</a:t>
+            </a:r>
+            <a:r>
+              <a:rPr lang="en-US" sz="2000" dirty="0"/>
+              <a:t> </a:t>
+            </a:r>
+            <a:r>
+              <a:rPr lang="en-US" sz="2000" dirty="0" err="1"/>
+              <a:t>sintaks</a:t>
+            </a:r>
+            <a:r>
+              <a:rPr lang="en-US" sz="2000" dirty="0"/>
+              <a:t> </a:t>
+            </a:r>
+            <a:r>
+              <a:rPr lang="en-US" sz="2000" dirty="0" err="1"/>
+              <a:t>sns</a:t>
+            </a:r>
+            <a:r>
+              <a:rPr lang="en-US" sz="2000" dirty="0"/>
+              <a:t>.__version__ dan </a:t>
+            </a:r>
+            <a:r>
+              <a:rPr lang="en-US" sz="2000" dirty="0" err="1"/>
+              <a:t>outputnya</a:t>
+            </a:r>
+            <a:r>
+              <a:rPr lang="en-US" sz="2000" dirty="0"/>
+              <a:t> </a:t>
+            </a:r>
+            <a:r>
+              <a:rPr lang="en-US" sz="2000" dirty="0" err="1"/>
+              <a:t>jika</a:t>
+            </a:r>
+            <a:r>
+              <a:rPr lang="en-US" sz="2000" dirty="0"/>
+              <a:t> </a:t>
+            </a:r>
+            <a:r>
+              <a:rPr lang="en-US" sz="2000" dirty="0" err="1"/>
+              <a:t>benar</a:t>
+            </a:r>
+            <a:r>
+              <a:rPr lang="en-US" sz="2000" dirty="0"/>
+              <a:t> </a:t>
+            </a:r>
+            <a:r>
+              <a:rPr lang="en-US" sz="2000" dirty="0" err="1"/>
+              <a:t>akan</a:t>
+            </a:r>
+            <a:r>
+              <a:rPr lang="en-US" sz="2000" dirty="0"/>
+              <a:t> </a:t>
+            </a:r>
+            <a:r>
+              <a:rPr lang="en-US" sz="2000" dirty="0" err="1"/>
+              <a:t>menghasilkan</a:t>
+            </a:r>
+            <a:r>
+              <a:rPr lang="en-US" sz="2000" dirty="0"/>
+              <a:t> </a:t>
+            </a:r>
+            <a:r>
+              <a:rPr lang="en-US" sz="2000" dirty="0" err="1"/>
+              <a:t>versi</a:t>
+            </a:r>
+            <a:r>
+              <a:rPr lang="en-US" sz="2000" dirty="0"/>
+              <a:t> </a:t>
+            </a:r>
+            <a:r>
+              <a:rPr lang="en-US" sz="2000" dirty="0" err="1"/>
+              <a:t>dari</a:t>
+            </a:r>
+            <a:r>
+              <a:rPr lang="en-US" sz="2000" dirty="0"/>
+              <a:t> Seaborn </a:t>
+            </a:r>
+            <a:r>
+              <a:rPr lang="en-US" sz="2000" dirty="0" err="1"/>
+              <a:t>tersebut</a:t>
+            </a:r>
+            <a:r>
+              <a:rPr lang="en-US" sz="2000" dirty="0"/>
+              <a:t>.</a:t>
+            </a:r>
+          </a:p>
+        </p:txBody>
+      </p:sp>
+    </p:spTree>
+    <p:extLst>
+      <p:ext uri="{BB962C8B-B14F-4D97-AF65-F5344CB8AC3E}">
+        <p14:creationId xmlns:p14="http://schemas.microsoft.com/office/powerpoint/2010/main" val="1246759983"/>
       </p:ext>
     </p:extLst>
   </p:cSld>
